--- a/RDT Presentation.pptx
+++ b/RDT Presentation.pptx
@@ -2497,7 +2497,7 @@
           <a:p>
             <a:fld id="{313106D0-053E-4143-AFAE-6481BB97AA81}" type="datetimeFigureOut">
               <a:rPr lang="zh-CN" altLang="en-US" smtClean="0"/>
-              <a:t>2020/12/29</a:t>
+              <a:t>2020/12/30</a:t>
             </a:fld>
             <a:endParaRPr lang="zh-CN" altLang="en-US"/>
           </a:p>
@@ -3151,7 +3151,7 @@
           <a:p>
             <a:fld id="{997D1BA5-4E2D-4E07-B7AE-7131B103637D}" type="datetime1">
               <a:rPr lang="zh-CN" altLang="en-US" smtClean="0"/>
-              <a:t>2020/12/29</a:t>
+              <a:t>2020/12/30</a:t>
             </a:fld>
             <a:endParaRPr lang="zh-CN" altLang="en-US" dirty="0"/>
           </a:p>
@@ -3679,7 +3679,7 @@
           <a:p>
             <a:fld id="{F8D75638-8AF3-4F1D-B6B7-00A4EC00C895}" type="datetime1">
               <a:rPr lang="zh-CN" altLang="en-US" smtClean="0"/>
-              <a:t>2020/12/29</a:t>
+              <a:t>2020/12/30</a:t>
             </a:fld>
             <a:endParaRPr lang="zh-CN" altLang="en-US"/>
           </a:p>
@@ -3855,7 +3855,7 @@
           <a:p>
             <a:fld id="{52C6DB4C-A216-452B-98ED-45ED258363BA}" type="datetime1">
               <a:rPr lang="zh-CN" altLang="en-US" smtClean="0"/>
-              <a:t>2020/12/29</a:t>
+              <a:t>2020/12/30</a:t>
             </a:fld>
             <a:endParaRPr lang="zh-CN" altLang="en-US"/>
           </a:p>
@@ -4021,7 +4021,7 @@
           <a:p>
             <a:fld id="{50989C58-5424-4789-9E01-6613D91C04F0}" type="datetime1">
               <a:rPr lang="zh-CN" altLang="en-US" smtClean="0"/>
-              <a:t>2020/12/29</a:t>
+              <a:t>2020/12/30</a:t>
             </a:fld>
             <a:endParaRPr lang="zh-CN" altLang="en-US"/>
           </a:p>
@@ -4289,7 +4289,7 @@
           <a:p>
             <a:fld id="{5364053D-EB2C-4290-8ED0-04BD9F257B90}" type="datetime1">
               <a:rPr lang="zh-CN" altLang="en-US" smtClean="0"/>
-              <a:t>2020/12/29</a:t>
+              <a:t>2020/12/30</a:t>
             </a:fld>
             <a:endParaRPr lang="zh-CN" altLang="en-US"/>
           </a:p>
@@ -4516,7 +4516,7 @@
           <a:p>
             <a:fld id="{7CE2A0CF-1640-4A43-8CF1-DAD00F3124DF}" type="datetime1">
               <a:rPr lang="zh-CN" altLang="en-US" smtClean="0"/>
-              <a:t>2020/12/29</a:t>
+              <a:t>2020/12/30</a:t>
             </a:fld>
             <a:endParaRPr lang="zh-CN" altLang="en-US"/>
           </a:p>
@@ -4878,7 +4878,7 @@
           <a:p>
             <a:fld id="{D2DCF78A-0488-4F9E-A19D-B3D6E1DDEA35}" type="datetime1">
               <a:rPr lang="zh-CN" altLang="en-US" smtClean="0"/>
-              <a:t>2020/12/29</a:t>
+              <a:t>2020/12/30</a:t>
             </a:fld>
             <a:endParaRPr lang="zh-CN" altLang="en-US"/>
           </a:p>
@@ -4993,7 +4993,7 @@
           <a:p>
             <a:fld id="{B7D60AF0-7287-4D18-B0BD-636563B290E4}" type="datetime1">
               <a:rPr lang="zh-CN" altLang="en-US" smtClean="0"/>
-              <a:t>2020/12/29</a:t>
+              <a:t>2020/12/30</a:t>
             </a:fld>
             <a:endParaRPr lang="zh-CN" altLang="en-US"/>
           </a:p>
@@ -5086,7 +5086,7 @@
           <a:p>
             <a:fld id="{675576A4-7DA6-41F0-B1C8-22A61EFA5DF8}" type="datetime1">
               <a:rPr lang="zh-CN" altLang="en-US" smtClean="0"/>
-              <a:t>2020/12/29</a:t>
+              <a:t>2020/12/30</a:t>
             </a:fld>
             <a:endParaRPr lang="zh-CN" altLang="en-US"/>
           </a:p>
@@ -5359,7 +5359,7 @@
           <a:p>
             <a:fld id="{9A20C189-4CB5-40C5-8382-348424A73384}" type="datetime1">
               <a:rPr lang="zh-CN" altLang="en-US" smtClean="0"/>
-              <a:t>2020/12/29</a:t>
+              <a:t>2020/12/30</a:t>
             </a:fld>
             <a:endParaRPr lang="zh-CN" altLang="en-US"/>
           </a:p>
@@ -5609,7 +5609,7 @@
           <a:p>
             <a:fld id="{8345CD89-72DA-4E30-BD2F-B9B34569F4CF}" type="datetime1">
               <a:rPr lang="zh-CN" altLang="en-US" smtClean="0"/>
-              <a:t>2020/12/29</a:t>
+              <a:t>2020/12/30</a:t>
             </a:fld>
             <a:endParaRPr lang="zh-CN" altLang="en-US"/>
           </a:p>
@@ -5818,7 +5818,7 @@
           <a:p>
             <a:fld id="{863CDE49-AA76-4D17-83E3-08BD0CED236D}" type="datetime1">
               <a:rPr lang="zh-CN" altLang="en-US" smtClean="0"/>
-              <a:t>2020/12/29</a:t>
+              <a:t>2020/12/30</a:t>
             </a:fld>
             <a:endParaRPr lang="zh-CN" altLang="en-US"/>
           </a:p>
